--- a/graphics/Thesis/Chapter3/Figure4.pptx
+++ b/graphics/Thesis/Chapter3/Figure4.pptx
@@ -243,7 +243,7 @@
           <a:p>
             <a:fld id="{B49BBC98-6E92-4BEF-8333-B967CF76B77C}" type="datetimeFigureOut">
               <a:rPr lang="en-US" smtClean="0"/>
-              <a:t>5/25/2020</a:t>
+              <a:t>6/6/2020</a:t>
             </a:fld>
             <a:endParaRPr lang="en-US"/>
           </a:p>
@@ -413,7 +413,7 @@
           <a:p>
             <a:fld id="{B49BBC98-6E92-4BEF-8333-B967CF76B77C}" type="datetimeFigureOut">
               <a:rPr lang="en-US" smtClean="0"/>
-              <a:t>5/25/2020</a:t>
+              <a:t>6/6/2020</a:t>
             </a:fld>
             <a:endParaRPr lang="en-US"/>
           </a:p>
@@ -593,7 +593,7 @@
           <a:p>
             <a:fld id="{B49BBC98-6E92-4BEF-8333-B967CF76B77C}" type="datetimeFigureOut">
               <a:rPr lang="en-US" smtClean="0"/>
-              <a:t>5/25/2020</a:t>
+              <a:t>6/6/2020</a:t>
             </a:fld>
             <a:endParaRPr lang="en-US"/>
           </a:p>
@@ -763,7 +763,7 @@
           <a:p>
             <a:fld id="{B49BBC98-6E92-4BEF-8333-B967CF76B77C}" type="datetimeFigureOut">
               <a:rPr lang="en-US" smtClean="0"/>
-              <a:t>5/25/2020</a:t>
+              <a:t>6/6/2020</a:t>
             </a:fld>
             <a:endParaRPr lang="en-US"/>
           </a:p>
@@ -1009,7 +1009,7 @@
           <a:p>
             <a:fld id="{B49BBC98-6E92-4BEF-8333-B967CF76B77C}" type="datetimeFigureOut">
               <a:rPr lang="en-US" smtClean="0"/>
-              <a:t>5/25/2020</a:t>
+              <a:t>6/6/2020</a:t>
             </a:fld>
             <a:endParaRPr lang="en-US"/>
           </a:p>
@@ -1241,7 +1241,7 @@
           <a:p>
             <a:fld id="{B49BBC98-6E92-4BEF-8333-B967CF76B77C}" type="datetimeFigureOut">
               <a:rPr lang="en-US" smtClean="0"/>
-              <a:t>5/25/2020</a:t>
+              <a:t>6/6/2020</a:t>
             </a:fld>
             <a:endParaRPr lang="en-US"/>
           </a:p>
@@ -1608,7 +1608,7 @@
           <a:p>
             <a:fld id="{B49BBC98-6E92-4BEF-8333-B967CF76B77C}" type="datetimeFigureOut">
               <a:rPr lang="en-US" smtClean="0"/>
-              <a:t>5/25/2020</a:t>
+              <a:t>6/6/2020</a:t>
             </a:fld>
             <a:endParaRPr lang="en-US"/>
           </a:p>
@@ -1726,7 +1726,7 @@
           <a:p>
             <a:fld id="{B49BBC98-6E92-4BEF-8333-B967CF76B77C}" type="datetimeFigureOut">
               <a:rPr lang="en-US" smtClean="0"/>
-              <a:t>5/25/2020</a:t>
+              <a:t>6/6/2020</a:t>
             </a:fld>
             <a:endParaRPr lang="en-US"/>
           </a:p>
@@ -1821,7 +1821,7 @@
           <a:p>
             <a:fld id="{B49BBC98-6E92-4BEF-8333-B967CF76B77C}" type="datetimeFigureOut">
               <a:rPr lang="en-US" smtClean="0"/>
-              <a:t>5/25/2020</a:t>
+              <a:t>6/6/2020</a:t>
             </a:fld>
             <a:endParaRPr lang="en-US"/>
           </a:p>
@@ -2098,7 +2098,7 @@
           <a:p>
             <a:fld id="{B49BBC98-6E92-4BEF-8333-B967CF76B77C}" type="datetimeFigureOut">
               <a:rPr lang="en-US" smtClean="0"/>
-              <a:t>5/25/2020</a:t>
+              <a:t>6/6/2020</a:t>
             </a:fld>
             <a:endParaRPr lang="en-US"/>
           </a:p>
@@ -2351,7 +2351,7 @@
           <a:p>
             <a:fld id="{B49BBC98-6E92-4BEF-8333-B967CF76B77C}" type="datetimeFigureOut">
               <a:rPr lang="en-US" smtClean="0"/>
-              <a:t>5/25/2020</a:t>
+              <a:t>6/6/2020</a:t>
             </a:fld>
             <a:endParaRPr lang="en-US"/>
           </a:p>
@@ -2564,7 +2564,7 @@
           <a:p>
             <a:fld id="{B49BBC98-6E92-4BEF-8333-B967CF76B77C}" type="datetimeFigureOut">
               <a:rPr lang="en-US" smtClean="0"/>
-              <a:t>5/25/2020</a:t>
+              <a:t>6/6/2020</a:t>
             </a:fld>
             <a:endParaRPr lang="en-US"/>
           </a:p>
@@ -2971,7 +2971,7 @@
       </p:grpSpPr>
       <p:pic>
         <p:nvPicPr>
-          <p:cNvPr id="4" name="Picture 3"/>
+          <p:cNvPr id="2" name="Picture 1"/>
           <p:cNvPicPr>
             <a:picLocks noChangeAspect="1"/>
           </p:cNvPicPr>
@@ -2991,8 +2991,8 @@
         </p:blipFill>
         <p:spPr>
           <a:xfrm>
-            <a:off x="0" y="802643"/>
-            <a:ext cx="12192000" cy="4980538"/>
+            <a:off x="0" y="808946"/>
+            <a:ext cx="12192000" cy="4692084"/>
           </a:xfrm>
           <a:prstGeom prst="rect">
             <a:avLst/>
@@ -3007,8 +3007,8 @@
         </p:nvSpPr>
         <p:spPr>
           <a:xfrm>
-            <a:off x="2759241" y="1168277"/>
-            <a:ext cx="513349" cy="307777"/>
+            <a:off x="2759047" y="1150115"/>
+            <a:ext cx="503114" cy="307777"/>
           </a:xfrm>
           <a:prstGeom prst="rect">
             <a:avLst/>
@@ -3021,6 +3021,7 @@
           </a:bodyPr>
           <a:lstStyle/>
           <a:p>
+            <a:pPr algn="ctr"/>
             <a:r>
               <a:rPr lang="en-US" sz="1400" b="1" dirty="0" smtClean="0">
                 <a:latin typeface="Times New Roman" panose="02020603050405020304" pitchFamily="18" charset="0"/>
@@ -3043,7 +3044,7 @@
         </p:nvSpPr>
         <p:spPr>
           <a:xfrm>
-            <a:off x="1203156" y="4170946"/>
+            <a:off x="1166580" y="3988066"/>
             <a:ext cx="417097" cy="307777"/>
           </a:xfrm>
           <a:prstGeom prst="rect">
@@ -3079,8 +3080,8 @@
         </p:nvSpPr>
         <p:spPr>
           <a:xfrm>
-            <a:off x="2013283" y="925608"/>
-            <a:ext cx="457201" cy="307777"/>
+            <a:off x="1583677" y="925608"/>
+            <a:ext cx="1011555" cy="307777"/>
           </a:xfrm>
           <a:prstGeom prst="rect">
             <a:avLst/>
@@ -3093,12 +3094,20 @@
           </a:bodyPr>
           <a:lstStyle/>
           <a:p>
-            <a:r>
-              <a:rPr lang="en-US" sz="1400" b="1" dirty="0" smtClean="0">
+            <a:pPr algn="ctr"/>
+            <a:r>
+              <a:rPr lang="en-US" sz="1400" b="1" i="1" dirty="0">
                 <a:latin typeface="Times New Roman" panose="02020603050405020304" pitchFamily="18" charset="0"/>
                 <a:cs typeface="Times New Roman" panose="02020603050405020304" pitchFamily="18" charset="0"/>
               </a:rPr>
-              <a:t>***</a:t>
+              <a:t>p</a:t>
+            </a:r>
+            <a:r>
+              <a:rPr lang="en-US" sz="1400" b="1" dirty="0">
+                <a:latin typeface="Times New Roman" panose="02020603050405020304" pitchFamily="18" charset="0"/>
+                <a:cs typeface="Times New Roman" panose="02020603050405020304" pitchFamily="18" charset="0"/>
+              </a:rPr>
+              <a:t> &lt; 0.01</a:t>
             </a:r>
             <a:endParaRPr lang="en-US" sz="1400" b="1" dirty="0">
               <a:latin typeface="Times New Roman" panose="02020603050405020304" pitchFamily="18" charset="0"/>
@@ -3115,8 +3124,8 @@
         </p:nvSpPr>
         <p:spPr>
           <a:xfrm>
-            <a:off x="10363199" y="925608"/>
-            <a:ext cx="360949" cy="307777"/>
+            <a:off x="10060968" y="925608"/>
+            <a:ext cx="831883" cy="307777"/>
           </a:xfrm>
           <a:prstGeom prst="rect">
             <a:avLst/>
@@ -3129,12 +3138,27 @@
           </a:bodyPr>
           <a:lstStyle/>
           <a:p>
+            <a:pPr algn="ctr"/>
+            <a:r>
+              <a:rPr lang="en-US" sz="1400" b="1" i="1" dirty="0">
+                <a:latin typeface="Times New Roman" panose="02020603050405020304" pitchFamily="18" charset="0"/>
+                <a:cs typeface="Times New Roman" panose="02020603050405020304" pitchFamily="18" charset="0"/>
+              </a:rPr>
+              <a:t>p</a:t>
+            </a:r>
+            <a:r>
+              <a:rPr lang="en-US" sz="1400" b="1" i="1" dirty="0" smtClean="0">
+                <a:latin typeface="Times New Roman" panose="02020603050405020304" pitchFamily="18" charset="0"/>
+                <a:cs typeface="Times New Roman" panose="02020603050405020304" pitchFamily="18" charset="0"/>
+              </a:rPr>
+              <a:t> = </a:t>
+            </a:r>
             <a:r>
               <a:rPr lang="en-US" sz="1400" b="1" dirty="0" smtClean="0">
                 <a:latin typeface="Times New Roman" panose="02020603050405020304" pitchFamily="18" charset="0"/>
                 <a:cs typeface="Times New Roman" panose="02020603050405020304" pitchFamily="18" charset="0"/>
               </a:rPr>
-              <a:t>**</a:t>
+              <a:t>0.01</a:t>
             </a:r>
             <a:endParaRPr lang="en-US" sz="1400" b="1" dirty="0">
               <a:latin typeface="Times New Roman" panose="02020603050405020304" pitchFamily="18" charset="0"/>
@@ -3151,7 +3175,7 @@
         </p:nvSpPr>
         <p:spPr>
           <a:xfrm>
-            <a:off x="10884567" y="4324834"/>
+            <a:off x="10891882" y="4201758"/>
             <a:ext cx="489286" cy="307777"/>
           </a:xfrm>
           <a:prstGeom prst="rect">
@@ -3223,7 +3247,7 @@
         </p:nvSpPr>
         <p:spPr>
           <a:xfrm>
-            <a:off x="6825914" y="1922076"/>
+            <a:off x="6833229" y="1871361"/>
             <a:ext cx="481265" cy="307777"/>
           </a:xfrm>
           <a:prstGeom prst="rect">
@@ -3259,7 +3283,7 @@
         </p:nvSpPr>
         <p:spPr>
           <a:xfrm>
-            <a:off x="5205660" y="2414337"/>
+            <a:off x="5191030" y="2333869"/>
             <a:ext cx="489286" cy="307777"/>
           </a:xfrm>
           <a:prstGeom prst="rect">
@@ -3295,7 +3319,7 @@
         </p:nvSpPr>
         <p:spPr>
           <a:xfrm>
-            <a:off x="324851" y="560523"/>
+            <a:off x="288275" y="560523"/>
             <a:ext cx="421107" cy="338554"/>
           </a:xfrm>
           <a:prstGeom prst="rect">
@@ -3345,7 +3369,7 @@
         </p:nvSpPr>
         <p:spPr>
           <a:xfrm>
-            <a:off x="4413581" y="560523"/>
+            <a:off x="4364212" y="560523"/>
             <a:ext cx="463219" cy="338554"/>
           </a:xfrm>
           <a:prstGeom prst="rect">
@@ -3381,7 +3405,7 @@
         </p:nvSpPr>
         <p:spPr>
           <a:xfrm>
-            <a:off x="8482262" y="560523"/>
+            <a:off x="8482261" y="560523"/>
             <a:ext cx="421107" cy="338554"/>
           </a:xfrm>
           <a:prstGeom prst="rect">
@@ -3403,6 +3427,57 @@
               <a:t>(c)</a:t>
             </a:r>
             <a:endParaRPr lang="en-US" sz="1600" b="1" dirty="0">
+              <a:latin typeface="Times New Roman" panose="02020603050405020304" pitchFamily="18" charset="0"/>
+              <a:cs typeface="Times New Roman" panose="02020603050405020304" pitchFamily="18" charset="0"/>
+            </a:endParaRPr>
+          </a:p>
+        </p:txBody>
+      </p:sp>
+      <p:sp>
+        <p:nvSpPr>
+          <p:cNvPr id="16" name="TextBox 15"/>
+          <p:cNvSpPr txBox="1"/>
+          <p:nvPr/>
+        </p:nvSpPr>
+        <p:spPr>
+          <a:xfrm>
+            <a:off x="5822322" y="926931"/>
+            <a:ext cx="1011555" cy="307777"/>
+          </a:xfrm>
+          <a:prstGeom prst="rect">
+            <a:avLst/>
+          </a:prstGeom>
+          <a:noFill/>
+        </p:spPr>
+        <p:txBody>
+          <a:bodyPr wrap="square" rtlCol="0">
+            <a:spAutoFit/>
+          </a:bodyPr>
+          <a:lstStyle/>
+          <a:p>
+            <a:pPr algn="ctr"/>
+            <a:r>
+              <a:rPr lang="en-US" sz="1400" b="1" i="1" dirty="0">
+                <a:latin typeface="Times New Roman" panose="02020603050405020304" pitchFamily="18" charset="0"/>
+                <a:cs typeface="Times New Roman" panose="02020603050405020304" pitchFamily="18" charset="0"/>
+              </a:rPr>
+              <a:t>p</a:t>
+            </a:r>
+            <a:r>
+              <a:rPr lang="en-US" sz="1400" b="1" dirty="0">
+                <a:latin typeface="Times New Roman" panose="02020603050405020304" pitchFamily="18" charset="0"/>
+                <a:cs typeface="Times New Roman" panose="02020603050405020304" pitchFamily="18" charset="0"/>
+              </a:rPr>
+              <a:t> </a:t>
+            </a:r>
+            <a:r>
+              <a:rPr lang="en-US" sz="1400" b="1" dirty="0" smtClean="0">
+                <a:latin typeface="Times New Roman" panose="02020603050405020304" pitchFamily="18" charset="0"/>
+                <a:cs typeface="Times New Roman" panose="02020603050405020304" pitchFamily="18" charset="0"/>
+              </a:rPr>
+              <a:t>= 0.58</a:t>
+            </a:r>
+            <a:endParaRPr lang="en-US" sz="1400" b="1" dirty="0">
               <a:latin typeface="Times New Roman" panose="02020603050405020304" pitchFamily="18" charset="0"/>
               <a:cs typeface="Times New Roman" panose="02020603050405020304" pitchFamily="18" charset="0"/>
             </a:endParaRPr>

--- a/graphics/Thesis/Chapter3/Figure4.pptx
+++ b/graphics/Thesis/Chapter3/Figure4.pptx
@@ -243,7 +243,7 @@
           <a:p>
             <a:fld id="{B49BBC98-6E92-4BEF-8333-B967CF76B77C}" type="datetimeFigureOut">
               <a:rPr lang="en-US" smtClean="0"/>
-              <a:t>6/6/2020</a:t>
+              <a:t>6/10/2020</a:t>
             </a:fld>
             <a:endParaRPr lang="en-US"/>
           </a:p>
@@ -413,7 +413,7 @@
           <a:p>
             <a:fld id="{B49BBC98-6E92-4BEF-8333-B967CF76B77C}" type="datetimeFigureOut">
               <a:rPr lang="en-US" smtClean="0"/>
-              <a:t>6/6/2020</a:t>
+              <a:t>6/10/2020</a:t>
             </a:fld>
             <a:endParaRPr lang="en-US"/>
           </a:p>
@@ -593,7 +593,7 @@
           <a:p>
             <a:fld id="{B49BBC98-6E92-4BEF-8333-B967CF76B77C}" type="datetimeFigureOut">
               <a:rPr lang="en-US" smtClean="0"/>
-              <a:t>6/6/2020</a:t>
+              <a:t>6/10/2020</a:t>
             </a:fld>
             <a:endParaRPr lang="en-US"/>
           </a:p>
@@ -763,7 +763,7 @@
           <a:p>
             <a:fld id="{B49BBC98-6E92-4BEF-8333-B967CF76B77C}" type="datetimeFigureOut">
               <a:rPr lang="en-US" smtClean="0"/>
-              <a:t>6/6/2020</a:t>
+              <a:t>6/10/2020</a:t>
             </a:fld>
             <a:endParaRPr lang="en-US"/>
           </a:p>
@@ -1009,7 +1009,7 @@
           <a:p>
             <a:fld id="{B49BBC98-6E92-4BEF-8333-B967CF76B77C}" type="datetimeFigureOut">
               <a:rPr lang="en-US" smtClean="0"/>
-              <a:t>6/6/2020</a:t>
+              <a:t>6/10/2020</a:t>
             </a:fld>
             <a:endParaRPr lang="en-US"/>
           </a:p>
@@ -1241,7 +1241,7 @@
           <a:p>
             <a:fld id="{B49BBC98-6E92-4BEF-8333-B967CF76B77C}" type="datetimeFigureOut">
               <a:rPr lang="en-US" smtClean="0"/>
-              <a:t>6/6/2020</a:t>
+              <a:t>6/10/2020</a:t>
             </a:fld>
             <a:endParaRPr lang="en-US"/>
           </a:p>
@@ -1608,7 +1608,7 @@
           <a:p>
             <a:fld id="{B49BBC98-6E92-4BEF-8333-B967CF76B77C}" type="datetimeFigureOut">
               <a:rPr lang="en-US" smtClean="0"/>
-              <a:t>6/6/2020</a:t>
+              <a:t>6/10/2020</a:t>
             </a:fld>
             <a:endParaRPr lang="en-US"/>
           </a:p>
@@ -1726,7 +1726,7 @@
           <a:p>
             <a:fld id="{B49BBC98-6E92-4BEF-8333-B967CF76B77C}" type="datetimeFigureOut">
               <a:rPr lang="en-US" smtClean="0"/>
-              <a:t>6/6/2020</a:t>
+              <a:t>6/10/2020</a:t>
             </a:fld>
             <a:endParaRPr lang="en-US"/>
           </a:p>
@@ -1821,7 +1821,7 @@
           <a:p>
             <a:fld id="{B49BBC98-6E92-4BEF-8333-B967CF76B77C}" type="datetimeFigureOut">
               <a:rPr lang="en-US" smtClean="0"/>
-              <a:t>6/6/2020</a:t>
+              <a:t>6/10/2020</a:t>
             </a:fld>
             <a:endParaRPr lang="en-US"/>
           </a:p>
@@ -2098,7 +2098,7 @@
           <a:p>
             <a:fld id="{B49BBC98-6E92-4BEF-8333-B967CF76B77C}" type="datetimeFigureOut">
               <a:rPr lang="en-US" smtClean="0"/>
-              <a:t>6/6/2020</a:t>
+              <a:t>6/10/2020</a:t>
             </a:fld>
             <a:endParaRPr lang="en-US"/>
           </a:p>
@@ -2351,7 +2351,7 @@
           <a:p>
             <a:fld id="{B49BBC98-6E92-4BEF-8333-B967CF76B77C}" type="datetimeFigureOut">
               <a:rPr lang="en-US" smtClean="0"/>
-              <a:t>6/6/2020</a:t>
+              <a:t>6/10/2020</a:t>
             </a:fld>
             <a:endParaRPr lang="en-US"/>
           </a:p>
@@ -2564,7 +2564,7 @@
           <a:p>
             <a:fld id="{B49BBC98-6E92-4BEF-8333-B967CF76B77C}" type="datetimeFigureOut">
               <a:rPr lang="en-US" smtClean="0"/>
-              <a:t>6/6/2020</a:t>
+              <a:t>6/10/2020</a:t>
             </a:fld>
             <a:endParaRPr lang="en-US"/>
           </a:p>
@@ -2971,7 +2971,7 @@
       </p:grpSpPr>
       <p:pic>
         <p:nvPicPr>
-          <p:cNvPr id="2" name="Picture 1"/>
+          <p:cNvPr id="3" name="Picture 2"/>
           <p:cNvPicPr>
             <a:picLocks noChangeAspect="1"/>
           </p:cNvPicPr>
@@ -2991,8 +2991,8 @@
         </p:blipFill>
         <p:spPr>
           <a:xfrm>
-            <a:off x="0" y="808946"/>
-            <a:ext cx="12192000" cy="4692084"/>
+            <a:off x="0" y="811708"/>
+            <a:ext cx="12171609" cy="5058740"/>
           </a:xfrm>
           <a:prstGeom prst="rect">
             <a:avLst/>
@@ -3007,7 +3007,7 @@
         </p:nvSpPr>
         <p:spPr>
           <a:xfrm>
-            <a:off x="2759047" y="1150115"/>
+            <a:off x="2757203" y="1172090"/>
             <a:ext cx="503114" cy="307777"/>
           </a:xfrm>
           <a:prstGeom prst="rect">
@@ -3044,8 +3044,8 @@
         </p:nvSpPr>
         <p:spPr>
           <a:xfrm>
-            <a:off x="1166580" y="3988066"/>
-            <a:ext cx="417097" cy="307777"/>
+            <a:off x="1191258" y="4201758"/>
+            <a:ext cx="392419" cy="307777"/>
           </a:xfrm>
           <a:prstGeom prst="rect">
             <a:avLst/>
@@ -3058,6 +3058,7 @@
           </a:bodyPr>
           <a:lstStyle/>
           <a:p>
+            <a:pPr algn="ctr"/>
             <a:r>
               <a:rPr lang="en-US" sz="1400" b="1" dirty="0" smtClean="0">
                 <a:latin typeface="Times New Roman" panose="02020603050405020304" pitchFamily="18" charset="0"/>
@@ -3109,10 +3110,6 @@
               </a:rPr>
               <a:t> &lt; 0.01</a:t>
             </a:r>
-            <a:endParaRPr lang="en-US" sz="1400" b="1" dirty="0">
-              <a:latin typeface="Times New Roman" panose="02020603050405020304" pitchFamily="18" charset="0"/>
-              <a:cs typeface="Times New Roman" panose="02020603050405020304" pitchFamily="18" charset="0"/>
-            </a:endParaRPr>
           </a:p>
         </p:txBody>
       </p:sp>
@@ -3175,7 +3172,7 @@
         </p:nvSpPr>
         <p:spPr>
           <a:xfrm>
-            <a:off x="10891882" y="4201758"/>
+            <a:off x="10864053" y="4452224"/>
             <a:ext cx="489286" cy="307777"/>
           </a:xfrm>
           <a:prstGeom prst="rect">
@@ -3211,8 +3208,8 @@
         </p:nvSpPr>
         <p:spPr>
           <a:xfrm>
-            <a:off x="9268322" y="1067740"/>
-            <a:ext cx="505330" cy="307777"/>
+            <a:off x="9263297" y="1147459"/>
+            <a:ext cx="478892" cy="307777"/>
           </a:xfrm>
           <a:prstGeom prst="rect">
             <a:avLst/>
@@ -3230,7 +3227,14 @@
                 <a:latin typeface="Times New Roman" panose="02020603050405020304" pitchFamily="18" charset="0"/>
                 <a:cs typeface="Times New Roman" panose="02020603050405020304" pitchFamily="18" charset="0"/>
               </a:rPr>
-              <a:t>(21)</a:t>
+              <a:t>(</a:t>
+            </a:r>
+            <a:r>
+              <a:rPr lang="en-US" sz="1400" b="1" dirty="0" smtClean="0">
+                <a:latin typeface="Times New Roman" panose="02020603050405020304" pitchFamily="18" charset="0"/>
+                <a:cs typeface="Times New Roman" panose="02020603050405020304" pitchFamily="18" charset="0"/>
+              </a:rPr>
+              <a:t>20)</a:t>
             </a:r>
             <a:endParaRPr lang="en-US" sz="1400" b="1" dirty="0">
               <a:latin typeface="Times New Roman" panose="02020603050405020304" pitchFamily="18" charset="0"/>
@@ -3247,7 +3251,7 @@
         </p:nvSpPr>
         <p:spPr>
           <a:xfrm>
-            <a:off x="6833229" y="1871361"/>
+            <a:off x="6810789" y="1930264"/>
             <a:ext cx="481265" cy="307777"/>
           </a:xfrm>
           <a:prstGeom prst="rect">
@@ -3283,7 +3287,7 @@
         </p:nvSpPr>
         <p:spPr>
           <a:xfrm>
-            <a:off x="5191030" y="2333869"/>
+            <a:off x="5202250" y="2384358"/>
             <a:ext cx="489286" cy="307777"/>
           </a:xfrm>
           <a:prstGeom prst="rect">
@@ -3319,7 +3323,7 @@
         </p:nvSpPr>
         <p:spPr>
           <a:xfrm>
-            <a:off x="288275" y="560523"/>
+            <a:off x="346796" y="560523"/>
             <a:ext cx="421107" cy="338554"/>
           </a:xfrm>
           <a:prstGeom prst="rect">
@@ -3369,7 +3373,7 @@
         </p:nvSpPr>
         <p:spPr>
           <a:xfrm>
-            <a:off x="4364212" y="560523"/>
+            <a:off x="4393472" y="560523"/>
             <a:ext cx="463219" cy="338554"/>
           </a:xfrm>
           <a:prstGeom prst="rect">
@@ -3475,7 +3479,14 @@
                 <a:latin typeface="Times New Roman" panose="02020603050405020304" pitchFamily="18" charset="0"/>
                 <a:cs typeface="Times New Roman" panose="02020603050405020304" pitchFamily="18" charset="0"/>
               </a:rPr>
-              <a:t>= 0.58</a:t>
+              <a:t>= </a:t>
+            </a:r>
+            <a:r>
+              <a:rPr lang="en-US" sz="1400" b="1" dirty="0" smtClean="0">
+                <a:latin typeface="Times New Roman" panose="02020603050405020304" pitchFamily="18" charset="0"/>
+                <a:cs typeface="Times New Roman" panose="02020603050405020304" pitchFamily="18" charset="0"/>
+              </a:rPr>
+              <a:t>0.62</a:t>
             </a:r>
             <a:endParaRPr lang="en-US" sz="1400" b="1" dirty="0">
               <a:latin typeface="Times New Roman" panose="02020603050405020304" pitchFamily="18" charset="0"/>
